--- a/lectures/le1.5_R crash course/week1_introR.pptx
+++ b/lectures/le1.5_R crash course/week1_introR.pptx
@@ -217,7 +217,7 @@
           <a:p>
             <a:fld id="{0A381423-7C25-E047-8AE4-A3A81E6D513F}" type="datetimeFigureOut">
               <a:rPr lang="en-US" smtClean="0"/>
-              <a:t>1/20/26</a:t>
+              <a:t>1/21/26</a:t>
             </a:fld>
             <a:endParaRPr lang="en-US"/>
           </a:p>
@@ -967,7 +967,7 @@
           <a:p>
             <a:fld id="{D3ED8370-B95B-4247-9EB4-98FF5BDAA612}" type="datetimeFigureOut">
               <a:rPr lang="en-US" smtClean="0"/>
-              <a:t>1/20/26</a:t>
+              <a:t>1/21/26</a:t>
             </a:fld>
             <a:endParaRPr lang="en-US"/>
           </a:p>
@@ -1165,7 +1165,7 @@
           <a:p>
             <a:fld id="{D3ED8370-B95B-4247-9EB4-98FF5BDAA612}" type="datetimeFigureOut">
               <a:rPr lang="en-US" smtClean="0"/>
-              <a:t>1/20/26</a:t>
+              <a:t>1/21/26</a:t>
             </a:fld>
             <a:endParaRPr lang="en-US"/>
           </a:p>
@@ -1373,7 +1373,7 @@
           <a:p>
             <a:fld id="{D3ED8370-B95B-4247-9EB4-98FF5BDAA612}" type="datetimeFigureOut">
               <a:rPr lang="en-US" smtClean="0"/>
-              <a:t>1/20/26</a:t>
+              <a:t>1/21/26</a:t>
             </a:fld>
             <a:endParaRPr lang="en-US"/>
           </a:p>
@@ -1571,7 +1571,7 @@
           <a:p>
             <a:fld id="{D3ED8370-B95B-4247-9EB4-98FF5BDAA612}" type="datetimeFigureOut">
               <a:rPr lang="en-US" smtClean="0"/>
-              <a:t>1/20/26</a:t>
+              <a:t>1/21/26</a:t>
             </a:fld>
             <a:endParaRPr lang="en-US"/>
           </a:p>
@@ -1846,7 +1846,7 @@
           <a:p>
             <a:fld id="{D3ED8370-B95B-4247-9EB4-98FF5BDAA612}" type="datetimeFigureOut">
               <a:rPr lang="en-US" smtClean="0"/>
-              <a:t>1/20/26</a:t>
+              <a:t>1/21/26</a:t>
             </a:fld>
             <a:endParaRPr lang="en-US"/>
           </a:p>
@@ -2111,7 +2111,7 @@
           <a:p>
             <a:fld id="{D3ED8370-B95B-4247-9EB4-98FF5BDAA612}" type="datetimeFigureOut">
               <a:rPr lang="en-US" smtClean="0"/>
-              <a:t>1/20/26</a:t>
+              <a:t>1/21/26</a:t>
             </a:fld>
             <a:endParaRPr lang="en-US"/>
           </a:p>
@@ -2523,7 +2523,7 @@
           <a:p>
             <a:fld id="{D3ED8370-B95B-4247-9EB4-98FF5BDAA612}" type="datetimeFigureOut">
               <a:rPr lang="en-US" smtClean="0"/>
-              <a:t>1/20/26</a:t>
+              <a:t>1/21/26</a:t>
             </a:fld>
             <a:endParaRPr lang="en-US"/>
           </a:p>
@@ -2664,7 +2664,7 @@
           <a:p>
             <a:fld id="{D3ED8370-B95B-4247-9EB4-98FF5BDAA612}" type="datetimeFigureOut">
               <a:rPr lang="en-US" smtClean="0"/>
-              <a:t>1/20/26</a:t>
+              <a:t>1/21/26</a:t>
             </a:fld>
             <a:endParaRPr lang="en-US"/>
           </a:p>
@@ -2777,7 +2777,7 @@
           <a:p>
             <a:fld id="{D3ED8370-B95B-4247-9EB4-98FF5BDAA612}" type="datetimeFigureOut">
               <a:rPr lang="en-US" smtClean="0"/>
-              <a:t>1/20/26</a:t>
+              <a:t>1/21/26</a:t>
             </a:fld>
             <a:endParaRPr lang="en-US"/>
           </a:p>
@@ -3088,7 +3088,7 @@
           <a:p>
             <a:fld id="{D3ED8370-B95B-4247-9EB4-98FF5BDAA612}" type="datetimeFigureOut">
               <a:rPr lang="en-US" smtClean="0"/>
-              <a:t>1/20/26</a:t>
+              <a:t>1/21/26</a:t>
             </a:fld>
             <a:endParaRPr lang="en-US"/>
           </a:p>
@@ -3376,7 +3376,7 @@
           <a:p>
             <a:fld id="{D3ED8370-B95B-4247-9EB4-98FF5BDAA612}" type="datetimeFigureOut">
               <a:rPr lang="en-US" smtClean="0"/>
-              <a:t>1/20/26</a:t>
+              <a:t>1/21/26</a:t>
             </a:fld>
             <a:endParaRPr lang="en-US"/>
           </a:p>
@@ -3617,7 +3617,7 @@
           <a:p>
             <a:fld id="{D3ED8370-B95B-4247-9EB4-98FF5BDAA612}" type="datetimeFigureOut">
               <a:rPr lang="en-US" smtClean="0"/>
-              <a:t>1/20/26</a:t>
+              <a:t>1/21/26</a:t>
             </a:fld>
             <a:endParaRPr lang="en-US"/>
           </a:p>
@@ -5560,7 +5560,7 @@
       </p:sp>
       <p:pic>
         <p:nvPicPr>
-          <p:cNvPr id="4" name="Content Placeholder 3"/>
+          <p:cNvPr id="4" name="Content Placeholder 3" descr="A screenshot of a computer&#10;&#10;"/>
           <p:cNvPicPr>
             <a:picLocks noGrp="1" noChangeAspect="1"/>
           </p:cNvPicPr>
@@ -5955,7 +5955,7 @@
       </p:sp>
       <p:pic>
         <p:nvPicPr>
-          <p:cNvPr id="4" name="Content Placeholder 3"/>
+          <p:cNvPr id="4" name="Content Placeholder 3" descr="A screenshot of a computer&#10;&#10;"/>
           <p:cNvPicPr>
             <a:picLocks noGrp="1" noChangeAspect="1"/>
           </p:cNvPicPr>
@@ -6079,7 +6079,7 @@
       </p:sp>
       <p:pic>
         <p:nvPicPr>
-          <p:cNvPr id="4" name="Content Placeholder 3"/>
+          <p:cNvPr id="4" name="Content Placeholder 3" descr="A screenshot of a computer&#10;&#10;"/>
           <p:cNvPicPr>
             <a:picLocks noGrp="1" noChangeAspect="1"/>
           </p:cNvPicPr>
@@ -6206,7 +6206,7 @@
       </p:sp>
       <p:pic>
         <p:nvPicPr>
-          <p:cNvPr id="4" name="Content Placeholder 3"/>
+          <p:cNvPr id="4" name="Content Placeholder 3" descr="A screenshot of a computer&#10;&#10;"/>
           <p:cNvPicPr>
             <a:picLocks noGrp="1" noChangeAspect="1"/>
           </p:cNvPicPr>
